--- a/presentation/JUnit vs TestNG.pptx
+++ b/presentation/JUnit vs TestNG.pptx
@@ -844,7 +844,7 @@
             <a:fld id="{B61BEF0D-F0BB-DE4B-95CE-6DB70DBA9567}" type="datetimeFigureOut">
               <a:rPr lang="en-US" dirty="0"/>
               <a:pPr/>
-              <a:t>4/10/2017</a:t>
+              <a:t>4/28/2017</a:t>
             </a:fld>
             <a:endParaRPr lang="en-US" dirty="0"/>
           </a:p>
@@ -1092,7 +1092,7 @@
             <a:fld id="{B61BEF0D-F0BB-DE4B-95CE-6DB70DBA9567}" type="datetimeFigureOut">
               <a:rPr lang="en-US" dirty="0"/>
               <a:pPr/>
-              <a:t>4/10/2017</a:t>
+              <a:t>4/28/2017</a:t>
             </a:fld>
             <a:endParaRPr lang="en-US" dirty="0"/>
           </a:p>
@@ -1403,7 +1403,7 @@
             <a:fld id="{B61BEF0D-F0BB-DE4B-95CE-6DB70DBA9567}" type="datetimeFigureOut">
               <a:rPr lang="en-US" dirty="0"/>
               <a:pPr/>
-              <a:t>4/10/2017</a:t>
+              <a:t>4/28/2017</a:t>
             </a:fld>
             <a:endParaRPr lang="en-US" dirty="0"/>
           </a:p>
@@ -1727,7 +1727,7 @@
             <a:fld id="{B61BEF0D-F0BB-DE4B-95CE-6DB70DBA9567}" type="datetimeFigureOut">
               <a:rPr lang="en-US" dirty="0"/>
               <a:pPr/>
-              <a:t>4/10/2017</a:t>
+              <a:t>4/28/2017</a:t>
             </a:fld>
             <a:endParaRPr lang="en-US" dirty="0"/>
           </a:p>
@@ -2038,7 +2038,7 @@
             <a:fld id="{B61BEF0D-F0BB-DE4B-95CE-6DB70DBA9567}" type="datetimeFigureOut">
               <a:rPr lang="en-US" dirty="0"/>
               <a:pPr/>
-              <a:t>4/10/2017</a:t>
+              <a:t>4/28/2017</a:t>
             </a:fld>
             <a:endParaRPr lang="en-US" dirty="0"/>
           </a:p>
@@ -2422,7 +2422,7 @@
             <a:fld id="{B61BEF0D-F0BB-DE4B-95CE-6DB70DBA9567}" type="datetimeFigureOut">
               <a:rPr lang="en-US" dirty="0"/>
               <a:pPr/>
-              <a:t>4/10/2017</a:t>
+              <a:t>4/28/2017</a:t>
             </a:fld>
             <a:endParaRPr lang="en-US" dirty="0"/>
           </a:p>
@@ -2588,7 +2588,7 @@
           <a:p>
             <a:fld id="{55C6B4A9-1611-4792-9094-5F34BCA07E0B}" type="datetimeFigureOut">
               <a:rPr lang="en-US" dirty="0"/>
-              <a:t>4/10/2017</a:t>
+              <a:t>4/28/2017</a:t>
             </a:fld>
             <a:endParaRPr lang="en-US" dirty="0"/>
           </a:p>
@@ -2764,7 +2764,7 @@
             <a:fld id="{B61BEF0D-F0BB-DE4B-95CE-6DB70DBA9567}" type="datetimeFigureOut">
               <a:rPr lang="en-US" dirty="0"/>
               <a:pPr/>
-              <a:t>4/10/2017</a:t>
+              <a:t>4/28/2017</a:t>
             </a:fld>
             <a:endParaRPr lang="en-US" dirty="0"/>
           </a:p>
@@ -2937,7 +2937,7 @@
             <a:fld id="{B61BEF0D-F0BB-DE4B-95CE-6DB70DBA9567}" type="datetimeFigureOut">
               <a:rPr lang="en-US" dirty="0"/>
               <a:pPr/>
-              <a:t>4/10/2017</a:t>
+              <a:t>4/28/2017</a:t>
             </a:fld>
             <a:endParaRPr lang="en-US" dirty="0"/>
           </a:p>
@@ -3181,7 +3181,7 @@
             <a:fld id="{B61BEF0D-F0BB-DE4B-95CE-6DB70DBA9567}" type="datetimeFigureOut">
               <a:rPr lang="en-US" dirty="0"/>
               <a:pPr/>
-              <a:t>4/10/2017</a:t>
+              <a:t>4/28/2017</a:t>
             </a:fld>
             <a:endParaRPr lang="en-US" dirty="0"/>
           </a:p>
@@ -3409,7 +3409,7 @@
           <a:p>
             <a:fld id="{EB712588-04B1-427B-82EE-E8DB90309F08}" type="datetimeFigureOut">
               <a:rPr lang="en-US" dirty="0"/>
-              <a:t>4/10/2017</a:t>
+              <a:t>4/28/2017</a:t>
             </a:fld>
             <a:endParaRPr lang="en-US" dirty="0"/>
           </a:p>
@@ -3779,7 +3779,7 @@
             <a:fld id="{B61BEF0D-F0BB-DE4B-95CE-6DB70DBA9567}" type="datetimeFigureOut">
               <a:rPr lang="en-US" dirty="0"/>
               <a:pPr/>
-              <a:t>4/10/2017</a:t>
+              <a:t>4/28/2017</a:t>
             </a:fld>
             <a:endParaRPr lang="en-US" dirty="0"/>
           </a:p>
@@ -3899,7 +3899,7 @@
             <a:fld id="{B61BEF0D-F0BB-DE4B-95CE-6DB70DBA9567}" type="datetimeFigureOut">
               <a:rPr lang="en-US" dirty="0"/>
               <a:pPr/>
-              <a:t>4/10/2017</a:t>
+              <a:t>4/28/2017</a:t>
             </a:fld>
             <a:endParaRPr lang="en-US" dirty="0"/>
           </a:p>
@@ -3991,7 +3991,7 @@
             <a:fld id="{B61BEF0D-F0BB-DE4B-95CE-6DB70DBA9567}" type="datetimeFigureOut">
               <a:rPr lang="en-US" dirty="0"/>
               <a:pPr/>
-              <a:t>4/10/2017</a:t>
+              <a:t>4/28/2017</a:t>
             </a:fld>
             <a:endParaRPr lang="en-US" dirty="0"/>
           </a:p>
@@ -4242,7 +4242,7 @@
           <a:p>
             <a:fld id="{42A54C80-263E-416B-A8E0-580EDEADCBDC}" type="datetimeFigureOut">
               <a:rPr lang="en-US" dirty="0"/>
-              <a:t>4/10/2017</a:t>
+              <a:t>4/28/2017</a:t>
             </a:fld>
             <a:endParaRPr lang="en-US" dirty="0"/>
           </a:p>
@@ -4501,7 +4501,7 @@
             <a:fld id="{B61BEF0D-F0BB-DE4B-95CE-6DB70DBA9567}" type="datetimeFigureOut">
               <a:rPr lang="en-US" dirty="0"/>
               <a:pPr/>
-              <a:t>4/10/2017</a:t>
+              <a:t>4/28/2017</a:t>
             </a:fld>
             <a:endParaRPr lang="en-US" dirty="0"/>
           </a:p>
@@ -5243,7 +5243,7 @@
             <a:fld id="{B61BEF0D-F0BB-DE4B-95CE-6DB70DBA9567}" type="datetimeFigureOut">
               <a:rPr lang="en-US" dirty="0"/>
               <a:pPr/>
-              <a:t>4/10/2017</a:t>
+              <a:t>4/28/2017</a:t>
             </a:fld>
             <a:endParaRPr lang="en-US" dirty="0"/>
           </a:p>
@@ -17756,7 +17756,11 @@
           <a:p>
             <a:r>
               <a:rPr lang="en-US" dirty="0" smtClean="0"/>
-              <a:t>What is a Mock</a:t>
+              <a:t>What is a </a:t>
+            </a:r>
+            <a:r>
+              <a:rPr lang="en-US" dirty="0" smtClean="0"/>
+              <a:t>Mock</a:t>
             </a:r>
           </a:p>
           <a:p>
@@ -17768,7 +17772,11 @@
           <a:p>
             <a:r>
               <a:rPr lang="en-US" dirty="0" smtClean="0"/>
-              <a:t>Why we need Mocks</a:t>
+              <a:t>Why </a:t>
+            </a:r>
+            <a:r>
+              <a:rPr lang="en-US" dirty="0" smtClean="0"/>
+              <a:t>we need Mocks</a:t>
             </a:r>
             <a:endParaRPr lang="en-US" dirty="0"/>
           </a:p>
@@ -17859,13 +17867,8 @@
             </a:r>
             <a:r>
               <a:rPr lang="en-US" dirty="0" smtClean="0"/>
-              <a:t> are both grate frameworks for unit </a:t>
-            </a:r>
-            <a:r>
-              <a:rPr lang="en-US" dirty="0" smtClean="0"/>
-              <a:t>testing</a:t>
-            </a:r>
-            <a:endParaRPr lang="en-US" dirty="0" smtClean="0"/>
+              <a:t> are both grate frameworks for unit testing</a:t>
+            </a:r>
           </a:p>
           <a:p>
             <a:r>
@@ -17874,15 +17877,7 @@
             </a:r>
             <a:r>
               <a:rPr lang="en-US" dirty="0" smtClean="0"/>
-              <a:t>, as we already saw, a is little bit </a:t>
-            </a:r>
-            <a:r>
-              <a:rPr lang="en-US" dirty="0" smtClean="0"/>
-              <a:t>better </a:t>
-            </a:r>
-            <a:r>
-              <a:rPr lang="en-US" dirty="0" smtClean="0"/>
-              <a:t>than JUnit </a:t>
+              <a:t>, as we already saw, a is little bit better than JUnit </a:t>
             </a:r>
             <a:r>
               <a:rPr lang="en-US" dirty="0"/>
@@ -17897,13 +17892,8 @@
             </a:br>
             <a:r>
               <a:rPr lang="en-US" dirty="0" smtClean="0"/>
-              <a:t>It supports almost all features provided by JUnit, but is more </a:t>
-            </a:r>
-            <a:r>
-              <a:rPr lang="en-US" dirty="0" smtClean="0"/>
-              <a:t>flexible</a:t>
-            </a:r>
-            <a:endParaRPr lang="en-US" dirty="0" smtClean="0"/>
+              <a:t>It supports almost all features provided by JUnit, but is more flexible</a:t>
+            </a:r>
           </a:p>
           <a:p>
             <a:r>

--- a/presentation/JUnit vs TestNG.pptx
+++ b/presentation/JUnit vs TestNG.pptx
@@ -113,7 +113,7 @@
   </p:defaultTextStyle>
   <p:extLst>
     <p:ext uri="{EFAFB233-063F-42B5-8137-9DF3F51BA10A}">
-      <p15:sldGuideLst xmlns:p15="http://schemas.microsoft.com/office/powerpoint/2012/main"/>
+      <p15:sldGuideLst xmlns:p15="http://schemas.microsoft.com/office/powerpoint/2012/main" xmlns=""/>
     </p:ext>
   </p:extLst>
 </p:presentation>
@@ -844,7 +844,7 @@
             <a:fld id="{B61BEF0D-F0BB-DE4B-95CE-6DB70DBA9567}" type="datetimeFigureOut">
               <a:rPr lang="en-US" dirty="0"/>
               <a:pPr/>
-              <a:t>4/28/2017</a:t>
+              <a:t>6/4/2017</a:t>
             </a:fld>
             <a:endParaRPr lang="en-US" dirty="0"/>
           </a:p>
@@ -1092,7 +1092,7 @@
             <a:fld id="{B61BEF0D-F0BB-DE4B-95CE-6DB70DBA9567}" type="datetimeFigureOut">
               <a:rPr lang="en-US" dirty="0"/>
               <a:pPr/>
-              <a:t>4/28/2017</a:t>
+              <a:t>6/4/2017</a:t>
             </a:fld>
             <a:endParaRPr lang="en-US" dirty="0"/>
           </a:p>
@@ -1403,7 +1403,7 @@
             <a:fld id="{B61BEF0D-F0BB-DE4B-95CE-6DB70DBA9567}" type="datetimeFigureOut">
               <a:rPr lang="en-US" dirty="0"/>
               <a:pPr/>
-              <a:t>4/28/2017</a:t>
+              <a:t>6/4/2017</a:t>
             </a:fld>
             <a:endParaRPr lang="en-US" dirty="0"/>
           </a:p>
@@ -1727,7 +1727,7 @@
             <a:fld id="{B61BEF0D-F0BB-DE4B-95CE-6DB70DBA9567}" type="datetimeFigureOut">
               <a:rPr lang="en-US" dirty="0"/>
               <a:pPr/>
-              <a:t>4/28/2017</a:t>
+              <a:t>6/4/2017</a:t>
             </a:fld>
             <a:endParaRPr lang="en-US" dirty="0"/>
           </a:p>
@@ -2038,7 +2038,7 @@
             <a:fld id="{B61BEF0D-F0BB-DE4B-95CE-6DB70DBA9567}" type="datetimeFigureOut">
               <a:rPr lang="en-US" dirty="0"/>
               <a:pPr/>
-              <a:t>4/28/2017</a:t>
+              <a:t>6/4/2017</a:t>
             </a:fld>
             <a:endParaRPr lang="en-US" dirty="0"/>
           </a:p>
@@ -2422,7 +2422,7 @@
             <a:fld id="{B61BEF0D-F0BB-DE4B-95CE-6DB70DBA9567}" type="datetimeFigureOut">
               <a:rPr lang="en-US" dirty="0"/>
               <a:pPr/>
-              <a:t>4/28/2017</a:t>
+              <a:t>6/4/2017</a:t>
             </a:fld>
             <a:endParaRPr lang="en-US" dirty="0"/>
           </a:p>
@@ -2588,7 +2588,7 @@
           <a:p>
             <a:fld id="{55C6B4A9-1611-4792-9094-5F34BCA07E0B}" type="datetimeFigureOut">
               <a:rPr lang="en-US" dirty="0"/>
-              <a:t>4/28/2017</a:t>
+              <a:t>6/4/2017</a:t>
             </a:fld>
             <a:endParaRPr lang="en-US" dirty="0"/>
           </a:p>
@@ -2764,7 +2764,7 @@
             <a:fld id="{B61BEF0D-F0BB-DE4B-95CE-6DB70DBA9567}" type="datetimeFigureOut">
               <a:rPr lang="en-US" dirty="0"/>
               <a:pPr/>
-              <a:t>4/28/2017</a:t>
+              <a:t>6/4/2017</a:t>
             </a:fld>
             <a:endParaRPr lang="en-US" dirty="0"/>
           </a:p>
@@ -2937,7 +2937,7 @@
             <a:fld id="{B61BEF0D-F0BB-DE4B-95CE-6DB70DBA9567}" type="datetimeFigureOut">
               <a:rPr lang="en-US" dirty="0"/>
               <a:pPr/>
-              <a:t>4/28/2017</a:t>
+              <a:t>6/4/2017</a:t>
             </a:fld>
             <a:endParaRPr lang="en-US" dirty="0"/>
           </a:p>
@@ -3181,7 +3181,7 @@
             <a:fld id="{B61BEF0D-F0BB-DE4B-95CE-6DB70DBA9567}" type="datetimeFigureOut">
               <a:rPr lang="en-US" dirty="0"/>
               <a:pPr/>
-              <a:t>4/28/2017</a:t>
+              <a:t>6/4/2017</a:t>
             </a:fld>
             <a:endParaRPr lang="en-US" dirty="0"/>
           </a:p>
@@ -3409,7 +3409,7 @@
           <a:p>
             <a:fld id="{EB712588-04B1-427B-82EE-E8DB90309F08}" type="datetimeFigureOut">
               <a:rPr lang="en-US" dirty="0"/>
-              <a:t>4/28/2017</a:t>
+              <a:t>6/4/2017</a:t>
             </a:fld>
             <a:endParaRPr lang="en-US" dirty="0"/>
           </a:p>
@@ -3779,7 +3779,7 @@
             <a:fld id="{B61BEF0D-F0BB-DE4B-95CE-6DB70DBA9567}" type="datetimeFigureOut">
               <a:rPr lang="en-US" dirty="0"/>
               <a:pPr/>
-              <a:t>4/28/2017</a:t>
+              <a:t>6/4/2017</a:t>
             </a:fld>
             <a:endParaRPr lang="en-US" dirty="0"/>
           </a:p>
@@ -3899,7 +3899,7 @@
             <a:fld id="{B61BEF0D-F0BB-DE4B-95CE-6DB70DBA9567}" type="datetimeFigureOut">
               <a:rPr lang="en-US" dirty="0"/>
               <a:pPr/>
-              <a:t>4/28/2017</a:t>
+              <a:t>6/4/2017</a:t>
             </a:fld>
             <a:endParaRPr lang="en-US" dirty="0"/>
           </a:p>
@@ -3991,7 +3991,7 @@
             <a:fld id="{B61BEF0D-F0BB-DE4B-95CE-6DB70DBA9567}" type="datetimeFigureOut">
               <a:rPr lang="en-US" dirty="0"/>
               <a:pPr/>
-              <a:t>4/28/2017</a:t>
+              <a:t>6/4/2017</a:t>
             </a:fld>
             <a:endParaRPr lang="en-US" dirty="0"/>
           </a:p>
@@ -4242,7 +4242,7 @@
           <a:p>
             <a:fld id="{42A54C80-263E-416B-A8E0-580EDEADCBDC}" type="datetimeFigureOut">
               <a:rPr lang="en-US" dirty="0"/>
-              <a:t>4/28/2017</a:t>
+              <a:t>6/4/2017</a:t>
             </a:fld>
             <a:endParaRPr lang="en-US" dirty="0"/>
           </a:p>
@@ -4501,7 +4501,7 @@
             <a:fld id="{B61BEF0D-F0BB-DE4B-95CE-6DB70DBA9567}" type="datetimeFigureOut">
               <a:rPr lang="en-US" dirty="0"/>
               <a:pPr/>
-              <a:t>4/28/2017</a:t>
+              <a:t>6/4/2017</a:t>
             </a:fld>
             <a:endParaRPr lang="en-US" dirty="0"/>
           </a:p>
@@ -5243,7 +5243,7 @@
             <a:fld id="{B61BEF0D-F0BB-DE4B-95CE-6DB70DBA9567}" type="datetimeFigureOut">
               <a:rPr lang="en-US" dirty="0"/>
               <a:pPr/>
-              <a:t>4/28/2017</a:t>
+              <a:t>6/4/2017</a:t>
             </a:fld>
             <a:endParaRPr lang="en-US" dirty="0"/>
           </a:p>
@@ -6133,21 +6133,21 @@
                 <a:gridCol w="2865437">
                   <a:extLst>
                     <a:ext uri="{9D8B030D-6E8A-4147-A177-3AD203B41FA5}">
-                      <a16:colId xmlns:a16="http://schemas.microsoft.com/office/drawing/2014/main" val="4139192602"/>
+                      <a16:colId xmlns:a16="http://schemas.microsoft.com/office/drawing/2014/main" xmlns="" val="4139192602"/>
                     </a:ext>
                   </a:extLst>
                 </a:gridCol>
                 <a:gridCol w="2865437">
                   <a:extLst>
                     <a:ext uri="{9D8B030D-6E8A-4147-A177-3AD203B41FA5}">
-                      <a16:colId xmlns:a16="http://schemas.microsoft.com/office/drawing/2014/main" val="2466677177"/>
+                      <a16:colId xmlns:a16="http://schemas.microsoft.com/office/drawing/2014/main" xmlns="" val="2466677177"/>
                     </a:ext>
                   </a:extLst>
                 </a:gridCol>
                 <a:gridCol w="2865437">
                   <a:extLst>
                     <a:ext uri="{9D8B030D-6E8A-4147-A177-3AD203B41FA5}">
-                      <a16:colId xmlns:a16="http://schemas.microsoft.com/office/drawing/2014/main" val="2698854023"/>
+                      <a16:colId xmlns:a16="http://schemas.microsoft.com/office/drawing/2014/main" xmlns="" val="2698854023"/>
                     </a:ext>
                   </a:extLst>
                 </a:gridCol>
@@ -6200,7 +6200,7 @@
                 </a:tc>
                 <a:extLst>
                   <a:ext uri="{0D108BD9-81ED-4DB2-BD59-A6C34878D82A}">
-                    <a16:rowId xmlns:a16="http://schemas.microsoft.com/office/drawing/2014/main" val="2893011562"/>
+                    <a16:rowId xmlns:a16="http://schemas.microsoft.com/office/drawing/2014/main" xmlns="" val="2893011562"/>
                   </a:ext>
                 </a:extLst>
               </a:tr>
@@ -6274,7 +6274,7 @@
                 </a:tc>
                 <a:extLst>
                   <a:ext uri="{0D108BD9-81ED-4DB2-BD59-A6C34878D82A}">
-                    <a16:rowId xmlns:a16="http://schemas.microsoft.com/office/drawing/2014/main" val="3680291117"/>
+                    <a16:rowId xmlns:a16="http://schemas.microsoft.com/office/drawing/2014/main" xmlns="" val="3680291117"/>
                   </a:ext>
                 </a:extLst>
               </a:tr>
@@ -6372,7 +6372,7 @@
                 </a:tc>
                 <a:extLst>
                   <a:ext uri="{0D108BD9-81ED-4DB2-BD59-A6C34878D82A}">
-                    <a16:rowId xmlns:a16="http://schemas.microsoft.com/office/drawing/2014/main" val="2269662899"/>
+                    <a16:rowId xmlns:a16="http://schemas.microsoft.com/office/drawing/2014/main" xmlns="" val="2269662899"/>
                   </a:ext>
                 </a:extLst>
               </a:tr>
@@ -6470,7 +6470,7 @@
                 </a:tc>
                 <a:extLst>
                   <a:ext uri="{0D108BD9-81ED-4DB2-BD59-A6C34878D82A}">
-                    <a16:rowId xmlns:a16="http://schemas.microsoft.com/office/drawing/2014/main" val="3014375684"/>
+                    <a16:rowId xmlns:a16="http://schemas.microsoft.com/office/drawing/2014/main" xmlns="" val="3014375684"/>
                   </a:ext>
                 </a:extLst>
               </a:tr>
@@ -6568,7 +6568,7 @@
                 </a:tc>
                 <a:extLst>
                   <a:ext uri="{0D108BD9-81ED-4DB2-BD59-A6C34878D82A}">
-                    <a16:rowId xmlns:a16="http://schemas.microsoft.com/office/drawing/2014/main" val="2667966585"/>
+                    <a16:rowId xmlns:a16="http://schemas.microsoft.com/office/drawing/2014/main" xmlns="" val="2667966585"/>
                   </a:ext>
                 </a:extLst>
               </a:tr>
@@ -6666,7 +6666,7 @@
                 </a:tc>
                 <a:extLst>
                   <a:ext uri="{0D108BD9-81ED-4DB2-BD59-A6C34878D82A}">
-                    <a16:rowId xmlns:a16="http://schemas.microsoft.com/office/drawing/2014/main" val="1385664742"/>
+                    <a16:rowId xmlns:a16="http://schemas.microsoft.com/office/drawing/2014/main" xmlns="" val="1385664742"/>
                   </a:ext>
                 </a:extLst>
               </a:tr>
@@ -6764,7 +6764,7 @@
                 </a:tc>
                 <a:extLst>
                   <a:ext uri="{0D108BD9-81ED-4DB2-BD59-A6C34878D82A}">
-                    <a16:rowId xmlns:a16="http://schemas.microsoft.com/office/drawing/2014/main" val="4002432223"/>
+                    <a16:rowId xmlns:a16="http://schemas.microsoft.com/office/drawing/2014/main" xmlns="" val="4002432223"/>
                   </a:ext>
                 </a:extLst>
               </a:tr>
@@ -6862,7 +6862,7 @@
                 </a:tc>
                 <a:extLst>
                   <a:ext uri="{0D108BD9-81ED-4DB2-BD59-A6C34878D82A}">
-                    <a16:rowId xmlns:a16="http://schemas.microsoft.com/office/drawing/2014/main" val="831747289"/>
+                    <a16:rowId xmlns:a16="http://schemas.microsoft.com/office/drawing/2014/main" xmlns="" val="831747289"/>
                   </a:ext>
                 </a:extLst>
               </a:tr>
@@ -6953,7 +6953,7 @@
                 </a:tc>
                 <a:extLst>
                   <a:ext uri="{0D108BD9-81ED-4DB2-BD59-A6C34878D82A}">
-                    <a16:rowId xmlns:a16="http://schemas.microsoft.com/office/drawing/2014/main" val="2010278740"/>
+                    <a16:rowId xmlns:a16="http://schemas.microsoft.com/office/drawing/2014/main" xmlns="" val="2010278740"/>
                   </a:ext>
                 </a:extLst>
               </a:tr>
@@ -7044,7 +7044,7 @@
                 </a:tc>
                 <a:extLst>
                   <a:ext uri="{0D108BD9-81ED-4DB2-BD59-A6C34878D82A}">
-                    <a16:rowId xmlns:a16="http://schemas.microsoft.com/office/drawing/2014/main" val="3100205004"/>
+                    <a16:rowId xmlns:a16="http://schemas.microsoft.com/office/drawing/2014/main" xmlns="" val="3100205004"/>
                   </a:ext>
                 </a:extLst>
               </a:tr>
@@ -7135,7 +7135,7 @@
                 </a:tc>
                 <a:extLst>
                   <a:ext uri="{0D108BD9-81ED-4DB2-BD59-A6C34878D82A}">
-                    <a16:rowId xmlns:a16="http://schemas.microsoft.com/office/drawing/2014/main" val="3030281163"/>
+                    <a16:rowId xmlns:a16="http://schemas.microsoft.com/office/drawing/2014/main" xmlns="" val="3030281163"/>
                   </a:ext>
                 </a:extLst>
               </a:tr>
@@ -7226,7 +7226,7 @@
                 </a:tc>
                 <a:extLst>
                   <a:ext uri="{0D108BD9-81ED-4DB2-BD59-A6C34878D82A}">
-                    <a16:rowId xmlns:a16="http://schemas.microsoft.com/office/drawing/2014/main" val="1423220844"/>
+                    <a16:rowId xmlns:a16="http://schemas.microsoft.com/office/drawing/2014/main" xmlns="" val="1423220844"/>
                   </a:ext>
                 </a:extLst>
               </a:tr>
@@ -7320,7 +7320,7 @@
                 </a:tc>
                 <a:extLst>
                   <a:ext uri="{0D108BD9-81ED-4DB2-BD59-A6C34878D82A}">
-                    <a16:rowId xmlns:a16="http://schemas.microsoft.com/office/drawing/2014/main" val="1806437635"/>
+                    <a16:rowId xmlns:a16="http://schemas.microsoft.com/office/drawing/2014/main" xmlns="" val="1806437635"/>
                   </a:ext>
                 </a:extLst>
               </a:tr>
@@ -7434,7 +7434,7 @@
                 </a:tc>
                 <a:extLst>
                   <a:ext uri="{0D108BD9-81ED-4DB2-BD59-A6C34878D82A}">
-                    <a16:rowId xmlns:a16="http://schemas.microsoft.com/office/drawing/2014/main" val="921448611"/>
+                    <a16:rowId xmlns:a16="http://schemas.microsoft.com/office/drawing/2014/main" xmlns="" val="921448611"/>
                   </a:ext>
                 </a:extLst>
               </a:tr>
@@ -7548,7 +7548,7 @@
                 </a:tc>
                 <a:extLst>
                   <a:ext uri="{0D108BD9-81ED-4DB2-BD59-A6C34878D82A}">
-                    <a16:rowId xmlns:a16="http://schemas.microsoft.com/office/drawing/2014/main" val="1970011200"/>
+                    <a16:rowId xmlns:a16="http://schemas.microsoft.com/office/drawing/2014/main" xmlns="" val="1970011200"/>
                   </a:ext>
                 </a:extLst>
               </a:tr>
@@ -17756,11 +17756,7 @@
           <a:p>
             <a:r>
               <a:rPr lang="en-US" dirty="0" smtClean="0"/>
-              <a:t>What is a </a:t>
-            </a:r>
-            <a:r>
-              <a:rPr lang="en-US" dirty="0" smtClean="0"/>
-              <a:t>Mock</a:t>
+              <a:t>What is a Mock</a:t>
             </a:r>
           </a:p>
           <a:p>
@@ -17772,11 +17768,7 @@
           <a:p>
             <a:r>
               <a:rPr lang="en-US" dirty="0" smtClean="0"/>
-              <a:t>Why </a:t>
-            </a:r>
-            <a:r>
-              <a:rPr lang="en-US" dirty="0" smtClean="0"/>
-              <a:t>we need Mocks</a:t>
+              <a:t>Why we need Mocks</a:t>
             </a:r>
             <a:endParaRPr lang="en-US" dirty="0"/>
           </a:p>
@@ -17960,34 +17952,21 @@
             <p:ph type="title"/>
           </p:nvPr>
         </p:nvSpPr>
-        <p:spPr/>
+        <p:spPr>
+          <a:xfrm>
+            <a:off x="677333" y="609600"/>
+            <a:ext cx="8613623" cy="5440136"/>
+          </a:xfrm>
+        </p:spPr>
         <p:txBody>
-          <a:bodyPr/>
+          <a:bodyPr anchor="ctr"/>
           <a:lstStyle/>
           <a:p>
+            <a:pPr algn="ctr"/>
             <a:r>
               <a:rPr lang="en-US" dirty="0" smtClean="0"/>
               <a:t>Questions?</a:t>
             </a:r>
-            <a:endParaRPr lang="en-US" dirty="0"/>
-          </a:p>
-        </p:txBody>
-      </p:sp>
-      <p:sp>
-        <p:nvSpPr>
-          <p:cNvPr id="3" name="Content Placeholder 2"/>
-          <p:cNvSpPr>
-            <a:spLocks noGrp="1"/>
-          </p:cNvSpPr>
-          <p:nvPr>
-            <p:ph idx="1"/>
-          </p:nvPr>
-        </p:nvSpPr>
-        <p:spPr/>
-        <p:txBody>
-          <a:bodyPr/>
-          <a:lstStyle/>
-          <a:p>
             <a:endParaRPr lang="en-US" dirty="0"/>
           </a:p>
         </p:txBody>
@@ -18055,7 +18034,7 @@
     </a:clrScheme>
     <a:fontScheme name="Facet">
       <a:majorFont>
-        <a:latin typeface="Trebuchet MS" panose="020B0603020202020204"/>
+        <a:latin typeface="Trebuchet MS"/>
         <a:ea typeface=""/>
         <a:cs typeface=""/>
         <a:font script="Jpan" typeface="メイリオ"/>
@@ -18090,7 +18069,7 @@
         <a:font script="Geor" typeface="Sylfaen"/>
       </a:majorFont>
       <a:minorFont>
-        <a:latin typeface="Trebuchet MS" panose="020B0603020202020204"/>
+        <a:latin typeface="Trebuchet MS"/>
         <a:ea typeface=""/>
         <a:cs typeface=""/>
         <a:font script="Jpan" typeface="メイリオ"/>
@@ -18263,7 +18242,7 @@
   <a:extraClrSchemeLst/>
   <a:extLst>
     <a:ext uri="{05A4C25C-085E-4340-85A3-A5531E510DB2}">
-      <thm15:themeFamily xmlns:thm15="http://schemas.microsoft.com/office/thememl/2012/main" name="Facet" id="{C0C680CD-088A-49FC-A102-D699147F32B2}" vid="{8C59B386-999D-4CB6-B907-9F3997C027CC}"/>
+      <thm15:themeFamily xmlns:thm15="http://schemas.microsoft.com/office/thememl/2012/main" xmlns="" name="Facet" id="{C0C680CD-088A-49FC-A102-D699147F32B2}" vid="{8C59B386-999D-4CB6-B907-9F3997C027CC}"/>
     </a:ext>
   </a:extLst>
 </a:theme>

--- a/presentation/JUnit vs TestNG.pptx
+++ b/presentation/JUnit vs TestNG.pptx
@@ -113,7 +113,7 @@
   </p:defaultTextStyle>
   <p:extLst>
     <p:ext uri="{EFAFB233-063F-42B5-8137-9DF3F51BA10A}">
-      <p15:sldGuideLst xmlns:p15="http://schemas.microsoft.com/office/powerpoint/2012/main" xmlns=""/>
+      <p15:sldGuideLst xmlns="" xmlns:p15="http://schemas.microsoft.com/office/powerpoint/2012/main"/>
     </p:ext>
   </p:extLst>
 </p:presentation>
@@ -844,7 +844,7 @@
             <a:fld id="{B61BEF0D-F0BB-DE4B-95CE-6DB70DBA9567}" type="datetimeFigureOut">
               <a:rPr lang="en-US" dirty="0"/>
               <a:pPr/>
-              <a:t>6/4/2017</a:t>
+              <a:t>6/5/2017</a:t>
             </a:fld>
             <a:endParaRPr lang="en-US" dirty="0"/>
           </a:p>
@@ -1092,7 +1092,7 @@
             <a:fld id="{B61BEF0D-F0BB-DE4B-95CE-6DB70DBA9567}" type="datetimeFigureOut">
               <a:rPr lang="en-US" dirty="0"/>
               <a:pPr/>
-              <a:t>6/4/2017</a:t>
+              <a:t>6/5/2017</a:t>
             </a:fld>
             <a:endParaRPr lang="en-US" dirty="0"/>
           </a:p>
@@ -1403,7 +1403,7 @@
             <a:fld id="{B61BEF0D-F0BB-DE4B-95CE-6DB70DBA9567}" type="datetimeFigureOut">
               <a:rPr lang="en-US" dirty="0"/>
               <a:pPr/>
-              <a:t>6/4/2017</a:t>
+              <a:t>6/5/2017</a:t>
             </a:fld>
             <a:endParaRPr lang="en-US" dirty="0"/>
           </a:p>
@@ -1727,7 +1727,7 @@
             <a:fld id="{B61BEF0D-F0BB-DE4B-95CE-6DB70DBA9567}" type="datetimeFigureOut">
               <a:rPr lang="en-US" dirty="0"/>
               <a:pPr/>
-              <a:t>6/4/2017</a:t>
+              <a:t>6/5/2017</a:t>
             </a:fld>
             <a:endParaRPr lang="en-US" dirty="0"/>
           </a:p>
@@ -2038,7 +2038,7 @@
             <a:fld id="{B61BEF0D-F0BB-DE4B-95CE-6DB70DBA9567}" type="datetimeFigureOut">
               <a:rPr lang="en-US" dirty="0"/>
               <a:pPr/>
-              <a:t>6/4/2017</a:t>
+              <a:t>6/5/2017</a:t>
             </a:fld>
             <a:endParaRPr lang="en-US" dirty="0"/>
           </a:p>
@@ -2422,7 +2422,7 @@
             <a:fld id="{B61BEF0D-F0BB-DE4B-95CE-6DB70DBA9567}" type="datetimeFigureOut">
               <a:rPr lang="en-US" dirty="0"/>
               <a:pPr/>
-              <a:t>6/4/2017</a:t>
+              <a:t>6/5/2017</a:t>
             </a:fld>
             <a:endParaRPr lang="en-US" dirty="0"/>
           </a:p>
@@ -2588,7 +2588,7 @@
           <a:p>
             <a:fld id="{55C6B4A9-1611-4792-9094-5F34BCA07E0B}" type="datetimeFigureOut">
               <a:rPr lang="en-US" dirty="0"/>
-              <a:t>6/4/2017</a:t>
+              <a:t>6/5/2017</a:t>
             </a:fld>
             <a:endParaRPr lang="en-US" dirty="0"/>
           </a:p>
@@ -2764,7 +2764,7 @@
             <a:fld id="{B61BEF0D-F0BB-DE4B-95CE-6DB70DBA9567}" type="datetimeFigureOut">
               <a:rPr lang="en-US" dirty="0"/>
               <a:pPr/>
-              <a:t>6/4/2017</a:t>
+              <a:t>6/5/2017</a:t>
             </a:fld>
             <a:endParaRPr lang="en-US" dirty="0"/>
           </a:p>
@@ -2937,7 +2937,7 @@
             <a:fld id="{B61BEF0D-F0BB-DE4B-95CE-6DB70DBA9567}" type="datetimeFigureOut">
               <a:rPr lang="en-US" dirty="0"/>
               <a:pPr/>
-              <a:t>6/4/2017</a:t>
+              <a:t>6/5/2017</a:t>
             </a:fld>
             <a:endParaRPr lang="en-US" dirty="0"/>
           </a:p>
@@ -3181,7 +3181,7 @@
             <a:fld id="{B61BEF0D-F0BB-DE4B-95CE-6DB70DBA9567}" type="datetimeFigureOut">
               <a:rPr lang="en-US" dirty="0"/>
               <a:pPr/>
-              <a:t>6/4/2017</a:t>
+              <a:t>6/5/2017</a:t>
             </a:fld>
             <a:endParaRPr lang="en-US" dirty="0"/>
           </a:p>
@@ -3409,7 +3409,7 @@
           <a:p>
             <a:fld id="{EB712588-04B1-427B-82EE-E8DB90309F08}" type="datetimeFigureOut">
               <a:rPr lang="en-US" dirty="0"/>
-              <a:t>6/4/2017</a:t>
+              <a:t>6/5/2017</a:t>
             </a:fld>
             <a:endParaRPr lang="en-US" dirty="0"/>
           </a:p>
@@ -3779,7 +3779,7 @@
             <a:fld id="{B61BEF0D-F0BB-DE4B-95CE-6DB70DBA9567}" type="datetimeFigureOut">
               <a:rPr lang="en-US" dirty="0"/>
               <a:pPr/>
-              <a:t>6/4/2017</a:t>
+              <a:t>6/5/2017</a:t>
             </a:fld>
             <a:endParaRPr lang="en-US" dirty="0"/>
           </a:p>
@@ -3899,7 +3899,7 @@
             <a:fld id="{B61BEF0D-F0BB-DE4B-95CE-6DB70DBA9567}" type="datetimeFigureOut">
               <a:rPr lang="en-US" dirty="0"/>
               <a:pPr/>
-              <a:t>6/4/2017</a:t>
+              <a:t>6/5/2017</a:t>
             </a:fld>
             <a:endParaRPr lang="en-US" dirty="0"/>
           </a:p>
@@ -3991,7 +3991,7 @@
             <a:fld id="{B61BEF0D-F0BB-DE4B-95CE-6DB70DBA9567}" type="datetimeFigureOut">
               <a:rPr lang="en-US" dirty="0"/>
               <a:pPr/>
-              <a:t>6/4/2017</a:t>
+              <a:t>6/5/2017</a:t>
             </a:fld>
             <a:endParaRPr lang="en-US" dirty="0"/>
           </a:p>
@@ -4242,7 +4242,7 @@
           <a:p>
             <a:fld id="{42A54C80-263E-416B-A8E0-580EDEADCBDC}" type="datetimeFigureOut">
               <a:rPr lang="en-US" dirty="0"/>
-              <a:t>6/4/2017</a:t>
+              <a:t>6/5/2017</a:t>
             </a:fld>
             <a:endParaRPr lang="en-US" dirty="0"/>
           </a:p>
@@ -4501,7 +4501,7 @@
             <a:fld id="{B61BEF0D-F0BB-DE4B-95CE-6DB70DBA9567}" type="datetimeFigureOut">
               <a:rPr lang="en-US" dirty="0"/>
               <a:pPr/>
-              <a:t>6/4/2017</a:t>
+              <a:t>6/5/2017</a:t>
             </a:fld>
             <a:endParaRPr lang="en-US" dirty="0"/>
           </a:p>
@@ -5243,7 +5243,7 @@
             <a:fld id="{B61BEF0D-F0BB-DE4B-95CE-6DB70DBA9567}" type="datetimeFigureOut">
               <a:rPr lang="en-US" dirty="0"/>
               <a:pPr/>
-              <a:t>6/4/2017</a:t>
+              <a:t>6/5/2017</a:t>
             </a:fld>
             <a:endParaRPr lang="en-US" dirty="0"/>
           </a:p>
@@ -5820,7 +5820,17 @@
                   </a:schemeClr>
                 </a:solidFill>
               </a:rPr>
-              <a:t>March 16, 2017</a:t>
+              <a:t>June 7, </a:t>
+            </a:r>
+            <a:r>
+              <a:rPr lang="en-US" sz="1400" dirty="0" smtClean="0">
+                <a:solidFill>
+                  <a:schemeClr val="accent1">
+                    <a:lumMod val="75000"/>
+                  </a:schemeClr>
+                </a:solidFill>
+              </a:rPr>
+              <a:t>2017</a:t>
             </a:r>
           </a:p>
           <a:p>
@@ -6052,6 +6062,100 @@
           </a:p>
         </p:txBody>
       </p:sp>
+      <p:pic>
+        <p:nvPicPr>
+          <p:cNvPr id="4" name="Picture 3"/>
+          <p:cNvPicPr>
+            <a:picLocks noChangeAspect="1"/>
+          </p:cNvPicPr>
+          <p:nvPr/>
+        </p:nvPicPr>
+        <p:blipFill>
+          <a:blip r:embed="rId2">
+            <a:extLst>
+              <a:ext uri="{28A0092B-C50C-407E-A947-70E740481C1C}">
+                <a14:useLocalDpi xmlns:a14="http://schemas.microsoft.com/office/drawing/2010/main" val="0"/>
+              </a:ext>
+            </a:extLst>
+          </a:blip>
+          <a:stretch>
+            <a:fillRect/>
+          </a:stretch>
+        </p:blipFill>
+        <p:spPr>
+          <a:xfrm>
+            <a:off x="697907" y="3861346"/>
+            <a:ext cx="1737874" cy="1737874"/>
+          </a:xfrm>
+          <a:prstGeom prst="rect">
+            <a:avLst/>
+          </a:prstGeom>
+          <a:noFill/>
+          <a:ln>
+            <a:noFill/>
+          </a:ln>
+        </p:spPr>
+      </p:pic>
+      <p:pic>
+        <p:nvPicPr>
+          <p:cNvPr id="5" name="Picture 4"/>
+          <p:cNvPicPr>
+            <a:picLocks noChangeAspect="1"/>
+          </p:cNvPicPr>
+          <p:nvPr/>
+        </p:nvPicPr>
+        <p:blipFill>
+          <a:blip r:embed="rId3">
+            <a:extLst>
+              <a:ext uri="{28A0092B-C50C-407E-A947-70E740481C1C}">
+                <a14:useLocalDpi xmlns:a14="http://schemas.microsoft.com/office/drawing/2010/main" val="0"/>
+              </a:ext>
+            </a:extLst>
+          </a:blip>
+          <a:stretch>
+            <a:fillRect/>
+          </a:stretch>
+        </p:blipFill>
+        <p:spPr>
+          <a:xfrm>
+            <a:off x="5451326" y="4830535"/>
+            <a:ext cx="3810000" cy="1905000"/>
+          </a:xfrm>
+          <a:prstGeom prst="rect">
+            <a:avLst/>
+          </a:prstGeom>
+        </p:spPr>
+      </p:pic>
+      <p:pic>
+        <p:nvPicPr>
+          <p:cNvPr id="6" name="Picture 5"/>
+          <p:cNvPicPr>
+            <a:picLocks noChangeAspect="1"/>
+          </p:cNvPicPr>
+          <p:nvPr/>
+        </p:nvPicPr>
+        <p:blipFill>
+          <a:blip r:embed="rId4">
+            <a:extLst>
+              <a:ext uri="{28A0092B-C50C-407E-A947-70E740481C1C}">
+                <a14:useLocalDpi xmlns:a14="http://schemas.microsoft.com/office/drawing/2010/main" val="0"/>
+              </a:ext>
+            </a:extLst>
+          </a:blip>
+          <a:stretch>
+            <a:fillRect/>
+          </a:stretch>
+        </p:blipFill>
+        <p:spPr>
+          <a:xfrm>
+            <a:off x="2337808" y="4731526"/>
+            <a:ext cx="3350527" cy="1428519"/>
+          </a:xfrm>
+          <a:prstGeom prst="rect">
+            <a:avLst/>
+          </a:prstGeom>
+        </p:spPr>
+      </p:pic>
     </p:spTree>
     <p:extLst>
       <p:ext uri="{BB962C8B-B14F-4D97-AF65-F5344CB8AC3E}">
@@ -6062,6 +6166,13 @@
   <p:clrMapOvr>
     <a:masterClrMapping/>
   </p:clrMapOvr>
+  <p:timing>
+    <p:tnLst>
+      <p:par>
+        <p:cTn id="1" dur="indefinite" restart="never" nodeType="tmRoot"/>
+      </p:par>
+    </p:tnLst>
+  </p:timing>
 </p:sld>
 </file>
 
@@ -6114,7 +6225,7 @@
             <p:ph idx="1"/>
             <p:extLst>
               <p:ext uri="{D42A27DB-BD31-4B8C-83A1-F6EECF244321}">
-                <p14:modId xmlns:p14="http://schemas.microsoft.com/office/powerpoint/2010/main" val="2960911239"/>
+                <p14:modId xmlns:p14="http://schemas.microsoft.com/office/powerpoint/2010/main" val="3064458809"/>
               </p:ext>
             </p:extLst>
           </p:nvPr>
@@ -6133,21 +6244,21 @@
                 <a:gridCol w="2865437">
                   <a:extLst>
                     <a:ext uri="{9D8B030D-6E8A-4147-A177-3AD203B41FA5}">
-                      <a16:colId xmlns:a16="http://schemas.microsoft.com/office/drawing/2014/main" xmlns="" val="4139192602"/>
+                      <a16:colId xmlns="" xmlns:a16="http://schemas.microsoft.com/office/drawing/2014/main" val="4139192602"/>
                     </a:ext>
                   </a:extLst>
                 </a:gridCol>
                 <a:gridCol w="2865437">
                   <a:extLst>
                     <a:ext uri="{9D8B030D-6E8A-4147-A177-3AD203B41FA5}">
-                      <a16:colId xmlns:a16="http://schemas.microsoft.com/office/drawing/2014/main" xmlns="" val="2466677177"/>
+                      <a16:colId xmlns="" xmlns:a16="http://schemas.microsoft.com/office/drawing/2014/main" val="2466677177"/>
                     </a:ext>
                   </a:extLst>
                 </a:gridCol>
                 <a:gridCol w="2865437">
                   <a:extLst>
                     <a:ext uri="{9D8B030D-6E8A-4147-A177-3AD203B41FA5}">
-                      <a16:colId xmlns:a16="http://schemas.microsoft.com/office/drawing/2014/main" xmlns="" val="2698854023"/>
+                      <a16:colId xmlns="" xmlns:a16="http://schemas.microsoft.com/office/drawing/2014/main" val="2698854023"/>
                     </a:ext>
                   </a:extLst>
                 </a:gridCol>
@@ -6200,7 +6311,7 @@
                 </a:tc>
                 <a:extLst>
                   <a:ext uri="{0D108BD9-81ED-4DB2-BD59-A6C34878D82A}">
-                    <a16:rowId xmlns:a16="http://schemas.microsoft.com/office/drawing/2014/main" xmlns="" val="2893011562"/>
+                    <a16:rowId xmlns="" xmlns:a16="http://schemas.microsoft.com/office/drawing/2014/main" val="2893011562"/>
                   </a:ext>
                 </a:extLst>
               </a:tr>
@@ -6274,7 +6385,7 @@
                 </a:tc>
                 <a:extLst>
                   <a:ext uri="{0D108BD9-81ED-4DB2-BD59-A6C34878D82A}">
-                    <a16:rowId xmlns:a16="http://schemas.microsoft.com/office/drawing/2014/main" xmlns="" val="3680291117"/>
+                    <a16:rowId xmlns="" xmlns:a16="http://schemas.microsoft.com/office/drawing/2014/main" val="3680291117"/>
                   </a:ext>
                 </a:extLst>
               </a:tr>
@@ -6312,16 +6423,6 @@
                     <a:lstStyle/>
                     <a:p>
                       <a:pPr algn="ctr" fontAlgn="ctr"/>
-                      <a:r>
-                        <a:rPr lang="en-US" sz="1100" b="1" i="0" u="none" strike="noStrike" dirty="0" smtClean="0">
-                          <a:solidFill>
-                            <a:srgbClr val="FF0000"/>
-                          </a:solidFill>
-                          <a:effectLst/>
-                          <a:latin typeface="Arial" panose="020B0604020202020204" pitchFamily="34" charset="0"/>
-                        </a:rPr>
-                        <a:t>X</a:t>
-                      </a:r>
                       <a:endParaRPr lang="en-US" sz="1100" b="1" i="0" u="none" strike="noStrike" dirty="0">
                         <a:solidFill>
                           <a:srgbClr val="FF0000"/>
@@ -6372,7 +6473,7 @@
                 </a:tc>
                 <a:extLst>
                   <a:ext uri="{0D108BD9-81ED-4DB2-BD59-A6C34878D82A}">
-                    <a16:rowId xmlns:a16="http://schemas.microsoft.com/office/drawing/2014/main" xmlns="" val="2269662899"/>
+                    <a16:rowId xmlns="" xmlns:a16="http://schemas.microsoft.com/office/drawing/2014/main" val="2269662899"/>
                   </a:ext>
                 </a:extLst>
               </a:tr>
@@ -6410,16 +6511,6 @@
                     <a:lstStyle/>
                     <a:p>
                       <a:pPr algn="ctr" fontAlgn="ctr"/>
-                      <a:r>
-                        <a:rPr lang="en-US" sz="1100" b="1" i="0" u="none" strike="noStrike" dirty="0" smtClean="0">
-                          <a:solidFill>
-                            <a:srgbClr val="FF0000"/>
-                          </a:solidFill>
-                          <a:effectLst/>
-                          <a:latin typeface="Arial" panose="020B0604020202020204" pitchFamily="34" charset="0"/>
-                        </a:rPr>
-                        <a:t>X</a:t>
-                      </a:r>
                       <a:endParaRPr lang="en-US" sz="1100" b="1" i="0" u="none" strike="noStrike" dirty="0">
                         <a:solidFill>
                           <a:srgbClr val="FF0000"/>
@@ -6470,7 +6561,7 @@
                 </a:tc>
                 <a:extLst>
                   <a:ext uri="{0D108BD9-81ED-4DB2-BD59-A6C34878D82A}">
-                    <a16:rowId xmlns:a16="http://schemas.microsoft.com/office/drawing/2014/main" xmlns="" val="3014375684"/>
+                    <a16:rowId xmlns="" xmlns:a16="http://schemas.microsoft.com/office/drawing/2014/main" val="3014375684"/>
                   </a:ext>
                 </a:extLst>
               </a:tr>
@@ -6508,16 +6599,6 @@
                     <a:lstStyle/>
                     <a:p>
                       <a:pPr algn="ctr" fontAlgn="ctr"/>
-                      <a:r>
-                        <a:rPr lang="en-US" sz="1100" b="1" i="0" u="none" strike="noStrike" dirty="0" smtClean="0">
-                          <a:solidFill>
-                            <a:srgbClr val="FF0000"/>
-                          </a:solidFill>
-                          <a:effectLst/>
-                          <a:latin typeface="Arial" panose="020B0604020202020204" pitchFamily="34" charset="0"/>
-                        </a:rPr>
-                        <a:t>X</a:t>
-                      </a:r>
                       <a:endParaRPr lang="en-US" sz="1100" b="1" i="0" u="none" strike="noStrike" dirty="0">
                         <a:solidFill>
                           <a:srgbClr val="FF0000"/>
@@ -6568,7 +6649,7 @@
                 </a:tc>
                 <a:extLst>
                   <a:ext uri="{0D108BD9-81ED-4DB2-BD59-A6C34878D82A}">
-                    <a16:rowId xmlns:a16="http://schemas.microsoft.com/office/drawing/2014/main" xmlns="" val="2667966585"/>
+                    <a16:rowId xmlns="" xmlns:a16="http://schemas.microsoft.com/office/drawing/2014/main" val="2667966585"/>
                   </a:ext>
                 </a:extLst>
               </a:tr>
@@ -6606,16 +6687,6 @@
                     <a:lstStyle/>
                     <a:p>
                       <a:pPr algn="ctr" fontAlgn="ctr"/>
-                      <a:r>
-                        <a:rPr lang="en-US" sz="1100" b="1" i="0" u="none" strike="noStrike" dirty="0" smtClean="0">
-                          <a:solidFill>
-                            <a:srgbClr val="FF0000"/>
-                          </a:solidFill>
-                          <a:effectLst/>
-                          <a:latin typeface="Arial" panose="020B0604020202020204" pitchFamily="34" charset="0"/>
-                        </a:rPr>
-                        <a:t>X</a:t>
-                      </a:r>
                       <a:endParaRPr lang="en-US" sz="1100" b="1" i="0" u="none" strike="noStrike" dirty="0">
                         <a:solidFill>
                           <a:srgbClr val="FF0000"/>
@@ -6666,7 +6737,7 @@
                 </a:tc>
                 <a:extLst>
                   <a:ext uri="{0D108BD9-81ED-4DB2-BD59-A6C34878D82A}">
-                    <a16:rowId xmlns:a16="http://schemas.microsoft.com/office/drawing/2014/main" xmlns="" val="1385664742"/>
+                    <a16:rowId xmlns="" xmlns:a16="http://schemas.microsoft.com/office/drawing/2014/main" val="1385664742"/>
                   </a:ext>
                 </a:extLst>
               </a:tr>
@@ -6704,16 +6775,6 @@
                     <a:lstStyle/>
                     <a:p>
                       <a:pPr algn="ctr" fontAlgn="ctr"/>
-                      <a:r>
-                        <a:rPr lang="en-US" sz="1100" b="1" i="0" u="none" strike="noStrike" dirty="0" smtClean="0">
-                          <a:solidFill>
-                            <a:srgbClr val="FF0000"/>
-                          </a:solidFill>
-                          <a:effectLst/>
-                          <a:latin typeface="Arial" panose="020B0604020202020204" pitchFamily="34" charset="0"/>
-                        </a:rPr>
-                        <a:t>X</a:t>
-                      </a:r>
                       <a:endParaRPr lang="en-US" sz="1100" b="1" i="0" u="none" strike="noStrike" dirty="0">
                         <a:solidFill>
                           <a:srgbClr val="FF0000"/>
@@ -6764,7 +6825,7 @@
                 </a:tc>
                 <a:extLst>
                   <a:ext uri="{0D108BD9-81ED-4DB2-BD59-A6C34878D82A}">
-                    <a16:rowId xmlns:a16="http://schemas.microsoft.com/office/drawing/2014/main" xmlns="" val="4002432223"/>
+                    <a16:rowId xmlns="" xmlns:a16="http://schemas.microsoft.com/office/drawing/2014/main" val="4002432223"/>
                   </a:ext>
                 </a:extLst>
               </a:tr>
@@ -6802,16 +6863,6 @@
                     <a:lstStyle/>
                     <a:p>
                       <a:pPr algn="ctr" fontAlgn="ctr"/>
-                      <a:r>
-                        <a:rPr lang="en-US" sz="1100" b="1" i="0" u="none" strike="noStrike" dirty="0" smtClean="0">
-                          <a:solidFill>
-                            <a:srgbClr val="FF0000"/>
-                          </a:solidFill>
-                          <a:effectLst/>
-                          <a:latin typeface="Arial" panose="020B0604020202020204" pitchFamily="34" charset="0"/>
-                        </a:rPr>
-                        <a:t>X</a:t>
-                      </a:r>
                       <a:endParaRPr lang="en-US" sz="1100" b="1" i="0" u="none" strike="noStrike" dirty="0">
                         <a:solidFill>
                           <a:srgbClr val="FF0000"/>
@@ -6862,7 +6913,7 @@
                 </a:tc>
                 <a:extLst>
                   <a:ext uri="{0D108BD9-81ED-4DB2-BD59-A6C34878D82A}">
-                    <a16:rowId xmlns:a16="http://schemas.microsoft.com/office/drawing/2014/main" xmlns="" val="831747289"/>
+                    <a16:rowId xmlns="" xmlns:a16="http://schemas.microsoft.com/office/drawing/2014/main" val="831747289"/>
                   </a:ext>
                 </a:extLst>
               </a:tr>
@@ -6953,7 +7004,7 @@
                 </a:tc>
                 <a:extLst>
                   <a:ext uri="{0D108BD9-81ED-4DB2-BD59-A6C34878D82A}">
-                    <a16:rowId xmlns:a16="http://schemas.microsoft.com/office/drawing/2014/main" xmlns="" val="2010278740"/>
+                    <a16:rowId xmlns="" xmlns:a16="http://schemas.microsoft.com/office/drawing/2014/main" val="2010278740"/>
                   </a:ext>
                 </a:extLst>
               </a:tr>
@@ -7044,7 +7095,7 @@
                 </a:tc>
                 <a:extLst>
                   <a:ext uri="{0D108BD9-81ED-4DB2-BD59-A6C34878D82A}">
-                    <a16:rowId xmlns:a16="http://schemas.microsoft.com/office/drawing/2014/main" xmlns="" val="3100205004"/>
+                    <a16:rowId xmlns="" xmlns:a16="http://schemas.microsoft.com/office/drawing/2014/main" val="3100205004"/>
                   </a:ext>
                 </a:extLst>
               </a:tr>
@@ -7135,7 +7186,7 @@
                 </a:tc>
                 <a:extLst>
                   <a:ext uri="{0D108BD9-81ED-4DB2-BD59-A6C34878D82A}">
-                    <a16:rowId xmlns:a16="http://schemas.microsoft.com/office/drawing/2014/main" xmlns="" val="3030281163"/>
+                    <a16:rowId xmlns="" xmlns:a16="http://schemas.microsoft.com/office/drawing/2014/main" val="3030281163"/>
                   </a:ext>
                 </a:extLst>
               </a:tr>
@@ -7226,7 +7277,7 @@
                 </a:tc>
                 <a:extLst>
                   <a:ext uri="{0D108BD9-81ED-4DB2-BD59-A6C34878D82A}">
-                    <a16:rowId xmlns:a16="http://schemas.microsoft.com/office/drawing/2014/main" xmlns="" val="1423220844"/>
+                    <a16:rowId xmlns="" xmlns:a16="http://schemas.microsoft.com/office/drawing/2014/main" val="1423220844"/>
                   </a:ext>
                 </a:extLst>
               </a:tr>
@@ -7320,7 +7371,7 @@
                 </a:tc>
                 <a:extLst>
                   <a:ext uri="{0D108BD9-81ED-4DB2-BD59-A6C34878D82A}">
-                    <a16:rowId xmlns:a16="http://schemas.microsoft.com/office/drawing/2014/main" xmlns="" val="1806437635"/>
+                    <a16:rowId xmlns="" xmlns:a16="http://schemas.microsoft.com/office/drawing/2014/main" val="1806437635"/>
                   </a:ext>
                 </a:extLst>
               </a:tr>
@@ -7434,7 +7485,7 @@
                 </a:tc>
                 <a:extLst>
                   <a:ext uri="{0D108BD9-81ED-4DB2-BD59-A6C34878D82A}">
-                    <a16:rowId xmlns:a16="http://schemas.microsoft.com/office/drawing/2014/main" xmlns="" val="921448611"/>
+                    <a16:rowId xmlns="" xmlns:a16="http://schemas.microsoft.com/office/drawing/2014/main" val="921448611"/>
                   </a:ext>
                 </a:extLst>
               </a:tr>
@@ -7548,7 +7599,7 @@
                 </a:tc>
                 <a:extLst>
                   <a:ext uri="{0D108BD9-81ED-4DB2-BD59-A6C34878D82A}">
-                    <a16:rowId xmlns:a16="http://schemas.microsoft.com/office/drawing/2014/main" xmlns="" val="1970011200"/>
+                    <a16:rowId xmlns="" xmlns:a16="http://schemas.microsoft.com/office/drawing/2014/main" val="1970011200"/>
                   </a:ext>
                 </a:extLst>
               </a:tr>
@@ -7556,6 +7607,186 @@
           </a:graphicData>
         </a:graphic>
       </p:graphicFrame>
+      <p:pic>
+        <p:nvPicPr>
+          <p:cNvPr id="3" name="Picture 2"/>
+          <p:cNvPicPr>
+            <a:picLocks noChangeAspect="1"/>
+          </p:cNvPicPr>
+          <p:nvPr/>
+        </p:nvPicPr>
+        <p:blipFill>
+          <a:blip r:embed="rId2">
+            <a:extLst>
+              <a:ext uri="{28A0092B-C50C-407E-A947-70E740481C1C}">
+                <a14:useLocalDpi xmlns:a14="http://schemas.microsoft.com/office/drawing/2010/main" val="0"/>
+              </a:ext>
+            </a:extLst>
+          </a:blip>
+          <a:stretch>
+            <a:fillRect/>
+          </a:stretch>
+        </p:blipFill>
+        <p:spPr>
+          <a:xfrm>
+            <a:off x="4876800" y="2640240"/>
+            <a:ext cx="189592" cy="189592"/>
+          </a:xfrm>
+          <a:prstGeom prst="rect">
+            <a:avLst/>
+          </a:prstGeom>
+        </p:spPr>
+      </p:pic>
+      <p:pic>
+        <p:nvPicPr>
+          <p:cNvPr id="5" name="Picture 4"/>
+          <p:cNvPicPr>
+            <a:picLocks noChangeAspect="1"/>
+          </p:cNvPicPr>
+          <p:nvPr/>
+        </p:nvPicPr>
+        <p:blipFill>
+          <a:blip r:embed="rId2">
+            <a:extLst>
+              <a:ext uri="{28A0092B-C50C-407E-A947-70E740481C1C}">
+                <a14:useLocalDpi xmlns:a14="http://schemas.microsoft.com/office/drawing/2010/main" val="0"/>
+              </a:ext>
+            </a:extLst>
+          </a:blip>
+          <a:stretch>
+            <a:fillRect/>
+          </a:stretch>
+        </p:blipFill>
+        <p:spPr>
+          <a:xfrm>
+            <a:off x="4876800" y="2829832"/>
+            <a:ext cx="189592" cy="189592"/>
+          </a:xfrm>
+          <a:prstGeom prst="rect">
+            <a:avLst/>
+          </a:prstGeom>
+        </p:spPr>
+      </p:pic>
+      <p:pic>
+        <p:nvPicPr>
+          <p:cNvPr id="6" name="Picture 5"/>
+          <p:cNvPicPr>
+            <a:picLocks noChangeAspect="1"/>
+          </p:cNvPicPr>
+          <p:nvPr/>
+        </p:nvPicPr>
+        <p:blipFill>
+          <a:blip r:embed="rId2">
+            <a:extLst>
+              <a:ext uri="{28A0092B-C50C-407E-A947-70E740481C1C}">
+                <a14:useLocalDpi xmlns:a14="http://schemas.microsoft.com/office/drawing/2010/main" val="0"/>
+              </a:ext>
+            </a:extLst>
+          </a:blip>
+          <a:stretch>
+            <a:fillRect/>
+          </a:stretch>
+        </p:blipFill>
+        <p:spPr>
+          <a:xfrm>
+            <a:off x="4876800" y="3027588"/>
+            <a:ext cx="189592" cy="189592"/>
+          </a:xfrm>
+          <a:prstGeom prst="rect">
+            <a:avLst/>
+          </a:prstGeom>
+        </p:spPr>
+      </p:pic>
+      <p:pic>
+        <p:nvPicPr>
+          <p:cNvPr id="7" name="Picture 6"/>
+          <p:cNvPicPr>
+            <a:picLocks noChangeAspect="1"/>
+          </p:cNvPicPr>
+          <p:nvPr/>
+        </p:nvPicPr>
+        <p:blipFill>
+          <a:blip r:embed="rId2">
+            <a:extLst>
+              <a:ext uri="{28A0092B-C50C-407E-A947-70E740481C1C}">
+                <a14:useLocalDpi xmlns:a14="http://schemas.microsoft.com/office/drawing/2010/main" val="0"/>
+              </a:ext>
+            </a:extLst>
+          </a:blip>
+          <a:stretch>
+            <a:fillRect/>
+          </a:stretch>
+        </p:blipFill>
+        <p:spPr>
+          <a:xfrm>
+            <a:off x="4876800" y="3229428"/>
+            <a:ext cx="189592" cy="189592"/>
+          </a:xfrm>
+          <a:prstGeom prst="rect">
+            <a:avLst/>
+          </a:prstGeom>
+        </p:spPr>
+      </p:pic>
+      <p:pic>
+        <p:nvPicPr>
+          <p:cNvPr id="8" name="Picture 7"/>
+          <p:cNvPicPr>
+            <a:picLocks noChangeAspect="1"/>
+          </p:cNvPicPr>
+          <p:nvPr/>
+        </p:nvPicPr>
+        <p:blipFill>
+          <a:blip r:embed="rId2">
+            <a:extLst>
+              <a:ext uri="{28A0092B-C50C-407E-A947-70E740481C1C}">
+                <a14:useLocalDpi xmlns:a14="http://schemas.microsoft.com/office/drawing/2010/main" val="0"/>
+              </a:ext>
+            </a:extLst>
+          </a:blip>
+          <a:stretch>
+            <a:fillRect/>
+          </a:stretch>
+        </p:blipFill>
+        <p:spPr>
+          <a:xfrm>
+            <a:off x="4876800" y="3523796"/>
+            <a:ext cx="189592" cy="189592"/>
+          </a:xfrm>
+          <a:prstGeom prst="rect">
+            <a:avLst/>
+          </a:prstGeom>
+        </p:spPr>
+      </p:pic>
+      <p:pic>
+        <p:nvPicPr>
+          <p:cNvPr id="9" name="Picture 8"/>
+          <p:cNvPicPr>
+            <a:picLocks noChangeAspect="1"/>
+          </p:cNvPicPr>
+          <p:nvPr/>
+        </p:nvPicPr>
+        <p:blipFill>
+          <a:blip r:embed="rId2">
+            <a:extLst>
+              <a:ext uri="{28A0092B-C50C-407E-A947-70E740481C1C}">
+                <a14:useLocalDpi xmlns:a14="http://schemas.microsoft.com/office/drawing/2010/main" val="0"/>
+              </a:ext>
+            </a:extLst>
+          </a:blip>
+          <a:stretch>
+            <a:fillRect/>
+          </a:stretch>
+        </p:blipFill>
+        <p:spPr>
+          <a:xfrm>
+            <a:off x="4876800" y="3876221"/>
+            <a:ext cx="189592" cy="189592"/>
+          </a:xfrm>
+          <a:prstGeom prst="rect">
+            <a:avLst/>
+          </a:prstGeom>
+        </p:spPr>
+      </p:pic>
     </p:spTree>
     <p:extLst>
       <p:ext uri="{BB962C8B-B14F-4D97-AF65-F5344CB8AC3E}">
@@ -7618,45 +7849,6 @@
       </p:sp>
       <p:sp>
         <p:nvSpPr>
-          <p:cNvPr id="5" name="TextBox 4"/>
-          <p:cNvSpPr txBox="1"/>
-          <p:nvPr/>
-        </p:nvSpPr>
-        <p:spPr>
-          <a:xfrm>
-            <a:off x="677334" y="1656570"/>
-            <a:ext cx="3902978" cy="461665"/>
-          </a:xfrm>
-          <a:prstGeom prst="rect">
-            <a:avLst/>
-          </a:prstGeom>
-          <a:noFill/>
-        </p:spPr>
-        <p:txBody>
-          <a:bodyPr wrap="square" rtlCol="0">
-            <a:spAutoFit/>
-          </a:bodyPr>
-          <a:lstStyle/>
-          <a:p>
-            <a:pPr algn="ctr"/>
-            <a:r>
-              <a:rPr lang="en-US" sz="2400" dirty="0" smtClean="0">
-                <a:solidFill>
-                  <a:schemeClr val="accent1"/>
-                </a:solidFill>
-              </a:rPr>
-              <a:t>JUnit</a:t>
-            </a:r>
-            <a:endParaRPr lang="en-US" sz="2400" dirty="0">
-              <a:solidFill>
-                <a:schemeClr val="accent1"/>
-              </a:solidFill>
-            </a:endParaRPr>
-          </a:p>
-        </p:txBody>
-      </p:sp>
-      <p:sp>
-        <p:nvSpPr>
           <p:cNvPr id="8" name="Rectangle 4"/>
           <p:cNvSpPr>
             <a:spLocks noGrp="1" noChangeArrowheads="1"/>
@@ -12837,45 +13029,70 @@
           </a:p>
         </p:txBody>
       </p:sp>
-      <p:sp>
-        <p:nvSpPr>
-          <p:cNvPr id="10" name="TextBox 9"/>
-          <p:cNvSpPr txBox="1"/>
+      <p:pic>
+        <p:nvPicPr>
+          <p:cNvPr id="7" name="Picture 6"/>
+          <p:cNvPicPr>
+            <a:picLocks noChangeAspect="1"/>
+          </p:cNvPicPr>
           <p:nvPr/>
-        </p:nvSpPr>
+        </p:nvPicPr>
+        <p:blipFill>
+          <a:blip r:embed="rId2">
+            <a:extLst>
+              <a:ext uri="{28A0092B-C50C-407E-A947-70E740481C1C}">
+                <a14:useLocalDpi xmlns:a14="http://schemas.microsoft.com/office/drawing/2010/main" val="0"/>
+              </a:ext>
+            </a:extLst>
+          </a:blip>
+          <a:stretch>
+            <a:fillRect/>
+          </a:stretch>
+        </p:blipFill>
         <p:spPr>
           <a:xfrm>
-            <a:off x="4638502" y="1656570"/>
-            <a:ext cx="4635500" cy="461665"/>
+            <a:off x="2091915" y="1334381"/>
+            <a:ext cx="1027088" cy="1027088"/>
           </a:xfrm>
           <a:prstGeom prst="rect">
             <a:avLst/>
           </a:prstGeom>
           <a:noFill/>
+          <a:ln>
+            <a:noFill/>
+          </a:ln>
         </p:spPr>
-        <p:txBody>
-          <a:bodyPr wrap="square" rtlCol="0">
-            <a:spAutoFit/>
-          </a:bodyPr>
-          <a:lstStyle/>
-          <a:p>
-            <a:pPr algn="ctr"/>
-            <a:r>
-              <a:rPr lang="en-US" sz="2400" dirty="0" err="1" smtClean="0">
-                <a:solidFill>
-                  <a:schemeClr val="accent1"/>
-                </a:solidFill>
-              </a:rPr>
-              <a:t>TestNG</a:t>
-            </a:r>
-            <a:endParaRPr lang="en-US" sz="2400" dirty="0">
-              <a:solidFill>
-                <a:schemeClr val="accent1"/>
-              </a:solidFill>
-            </a:endParaRPr>
-          </a:p>
-        </p:txBody>
-      </p:sp>
+      </p:pic>
+      <p:pic>
+        <p:nvPicPr>
+          <p:cNvPr id="11" name="Picture 10"/>
+          <p:cNvPicPr>
+            <a:picLocks noChangeAspect="1"/>
+          </p:cNvPicPr>
+          <p:nvPr/>
+        </p:nvPicPr>
+        <p:blipFill>
+          <a:blip r:embed="rId3">
+            <a:extLst>
+              <a:ext uri="{28A0092B-C50C-407E-A947-70E740481C1C}">
+                <a14:useLocalDpi xmlns:a14="http://schemas.microsoft.com/office/drawing/2010/main" val="0"/>
+              </a:ext>
+            </a:extLst>
+          </a:blip>
+          <a:stretch>
+            <a:fillRect/>
+          </a:stretch>
+        </p:blipFill>
+        <p:spPr>
+          <a:xfrm>
+            <a:off x="5972038" y="1425797"/>
+            <a:ext cx="1980169" cy="844257"/>
+          </a:xfrm>
+          <a:prstGeom prst="rect">
+            <a:avLst/>
+          </a:prstGeom>
+        </p:spPr>
+      </p:pic>
     </p:spTree>
     <p:extLst>
       <p:ext uri="{BB962C8B-B14F-4D97-AF65-F5344CB8AC3E}">
@@ -17601,84 +17818,70 @@
           </a:p>
         </p:txBody>
       </p:sp>
-      <p:sp>
-        <p:nvSpPr>
-          <p:cNvPr id="18" name="TextBox 17"/>
-          <p:cNvSpPr txBox="1"/>
+      <p:pic>
+        <p:nvPicPr>
+          <p:cNvPr id="7" name="Picture 6"/>
+          <p:cNvPicPr>
+            <a:picLocks noChangeAspect="1"/>
+          </p:cNvPicPr>
           <p:nvPr/>
-        </p:nvSpPr>
+        </p:nvPicPr>
+        <p:blipFill>
+          <a:blip r:embed="rId2">
+            <a:extLst>
+              <a:ext uri="{28A0092B-C50C-407E-A947-70E740481C1C}">
+                <a14:useLocalDpi xmlns:a14="http://schemas.microsoft.com/office/drawing/2010/main" val="0"/>
+              </a:ext>
+            </a:extLst>
+          </a:blip>
+          <a:stretch>
+            <a:fillRect/>
+          </a:stretch>
+        </p:blipFill>
         <p:spPr>
           <a:xfrm>
-            <a:off x="677334" y="1656570"/>
-            <a:ext cx="4277052" cy="461665"/>
+            <a:off x="2091915" y="1334381"/>
+            <a:ext cx="1027088" cy="1027088"/>
           </a:xfrm>
           <a:prstGeom prst="rect">
             <a:avLst/>
           </a:prstGeom>
           <a:noFill/>
+          <a:ln>
+            <a:noFill/>
+          </a:ln>
         </p:spPr>
-        <p:txBody>
-          <a:bodyPr wrap="square" rtlCol="0">
-            <a:spAutoFit/>
-          </a:bodyPr>
-          <a:lstStyle/>
-          <a:p>
-            <a:pPr algn="ctr"/>
-            <a:r>
-              <a:rPr lang="en-US" sz="2400" dirty="0" smtClean="0">
-                <a:solidFill>
-                  <a:schemeClr val="accent1"/>
-                </a:solidFill>
-              </a:rPr>
-              <a:t>JUnit</a:t>
-            </a:r>
-            <a:endParaRPr lang="en-US" sz="2400" dirty="0">
-              <a:solidFill>
-                <a:schemeClr val="accent1"/>
-              </a:solidFill>
-            </a:endParaRPr>
-          </a:p>
-        </p:txBody>
-      </p:sp>
-      <p:sp>
-        <p:nvSpPr>
-          <p:cNvPr id="19" name="TextBox 18"/>
-          <p:cNvSpPr txBox="1"/>
+      </p:pic>
+      <p:pic>
+        <p:nvPicPr>
+          <p:cNvPr id="8" name="Picture 7"/>
+          <p:cNvPicPr>
+            <a:picLocks noChangeAspect="1"/>
+          </p:cNvPicPr>
           <p:nvPr/>
-        </p:nvSpPr>
+        </p:nvPicPr>
+        <p:blipFill>
+          <a:blip r:embed="rId3">
+            <a:extLst>
+              <a:ext uri="{28A0092B-C50C-407E-A947-70E740481C1C}">
+                <a14:useLocalDpi xmlns:a14="http://schemas.microsoft.com/office/drawing/2010/main" val="0"/>
+              </a:ext>
+            </a:extLst>
+          </a:blip>
+          <a:stretch>
+            <a:fillRect/>
+          </a:stretch>
+        </p:blipFill>
         <p:spPr>
           <a:xfrm>
-            <a:off x="5012574" y="1656570"/>
-            <a:ext cx="4261428" cy="461665"/>
+            <a:off x="5972038" y="1425797"/>
+            <a:ext cx="1980169" cy="844257"/>
           </a:xfrm>
           <a:prstGeom prst="rect">
             <a:avLst/>
           </a:prstGeom>
-          <a:noFill/>
         </p:spPr>
-        <p:txBody>
-          <a:bodyPr wrap="square" rtlCol="0">
-            <a:spAutoFit/>
-          </a:bodyPr>
-          <a:lstStyle/>
-          <a:p>
-            <a:pPr algn="ctr"/>
-            <a:r>
-              <a:rPr lang="en-US" sz="2400" dirty="0" err="1" smtClean="0">
-                <a:solidFill>
-                  <a:schemeClr val="accent1"/>
-                </a:solidFill>
-              </a:rPr>
-              <a:t>TestNG</a:t>
-            </a:r>
-            <a:endParaRPr lang="en-US" sz="2400" dirty="0">
-              <a:solidFill>
-                <a:schemeClr val="accent1"/>
-              </a:solidFill>
-            </a:endParaRPr>
-          </a:p>
-        </p:txBody>
-      </p:sp>
+      </p:pic>
     </p:spTree>
     <p:extLst>
       <p:ext uri="{BB962C8B-B14F-4D97-AF65-F5344CB8AC3E}">
@@ -17774,6 +17977,36 @@
           </a:p>
         </p:txBody>
       </p:sp>
+      <p:pic>
+        <p:nvPicPr>
+          <p:cNvPr id="4" name="Picture 3"/>
+          <p:cNvPicPr>
+            <a:picLocks noChangeAspect="1"/>
+          </p:cNvPicPr>
+          <p:nvPr/>
+        </p:nvPicPr>
+        <p:blipFill>
+          <a:blip r:embed="rId2">
+            <a:extLst>
+              <a:ext uri="{28A0092B-C50C-407E-A947-70E740481C1C}">
+                <a14:useLocalDpi xmlns:a14="http://schemas.microsoft.com/office/drawing/2010/main" val="0"/>
+              </a:ext>
+            </a:extLst>
+          </a:blip>
+          <a:stretch>
+            <a:fillRect/>
+          </a:stretch>
+        </p:blipFill>
+        <p:spPr>
+          <a:xfrm>
+            <a:off x="3959679" y="4227586"/>
+            <a:ext cx="4656669" cy="2328335"/>
+          </a:xfrm>
+          <a:prstGeom prst="rect">
+            <a:avLst/>
+          </a:prstGeom>
+        </p:spPr>
+      </p:pic>
     </p:spTree>
     <p:extLst>
       <p:ext uri="{BB962C8B-B14F-4D97-AF65-F5344CB8AC3E}">
@@ -18242,7 +18475,7 @@
   <a:extraClrSchemeLst/>
   <a:extLst>
     <a:ext uri="{05A4C25C-085E-4340-85A3-A5531E510DB2}">
-      <thm15:themeFamily xmlns:thm15="http://schemas.microsoft.com/office/thememl/2012/main" xmlns="" name="Facet" id="{C0C680CD-088A-49FC-A102-D699147F32B2}" vid="{8C59B386-999D-4CB6-B907-9F3997C027CC}"/>
+      <thm15:themeFamily xmlns="" xmlns:thm15="http://schemas.microsoft.com/office/thememl/2012/main" name="Facet" id="{C0C680CD-088A-49FC-A102-D699147F32B2}" vid="{8C59B386-999D-4CB6-B907-9F3997C027CC}"/>
     </a:ext>
   </a:extLst>
 </a:theme>
